--- a/Повторения успеха.pptx
+++ b/Повторения успеха.pptx
@@ -11,8 +11,6 @@
     <p:sldId id="259" r:id="rId5"/>
     <p:sldId id="260" r:id="rId6"/>
     <p:sldId id="261" r:id="rId7"/>
-    <p:sldId id="262" r:id="rId8"/>
-    <p:sldId id="263" r:id="rId9"/>
   </p:sldIdLst>
   <p:sldSz cx="12192000" cy="6858000"/>
   <p:notesSz cx="6858000" cy="9144000"/>
@@ -111,6 +109,11 @@
       </a:defRPr>
     </a:lvl9pPr>
   </p:defaultTextStyle>
+  <p:extLst>
+    <p:ext uri="{EFAFB233-063F-42B5-8137-9DF3F51BA10A}">
+      <p15:sldGuideLst xmlns:p15="http://schemas.microsoft.com/office/powerpoint/2012/main"/>
+    </p:ext>
+  </p:extLst>
 </p:presentation>
 </file>
 
@@ -331,7 +334,7 @@
           <a:p>
             <a:fld id="{9AB3A824-1A51-4B26-AD58-A6D8E14F6C04}" type="datetimeFigureOut">
               <a:rPr lang="en-US" dirty="0"/>
-              <a:t>1/11/2023</a:t>
+              <a:t>1/18/2023</a:t>
             </a:fld>
             <a:endParaRPr lang="en-US" dirty="0"/>
           </a:p>
@@ -665,7 +668,7 @@
           <a:p>
             <a:fld id="{D857E33E-8B18-4087-B112-809917729534}" type="datetimeFigureOut">
               <a:rPr lang="en-US" dirty="0"/>
-              <a:t>1/11/2023</a:t>
+              <a:t>1/18/2023</a:t>
             </a:fld>
             <a:endParaRPr lang="en-US" dirty="0"/>
           </a:p>
@@ -967,7 +970,7 @@
           <a:p>
             <a:fld id="{D3FFE419-2371-464F-8239-3959401C3561}" type="datetimeFigureOut">
               <a:rPr lang="en-US" dirty="0"/>
-              <a:t>1/11/2023</a:t>
+              <a:t>1/18/2023</a:t>
             </a:fld>
             <a:endParaRPr lang="en-US" dirty="0"/>
           </a:p>
@@ -1214,7 +1217,7 @@
           <a:p>
             <a:fld id="{97D162C4-EDD9-4389-A98B-B87ECEA2A816}" type="datetimeFigureOut">
               <a:rPr lang="en-US" dirty="0"/>
-              <a:t>1/11/2023</a:t>
+              <a:t>1/18/2023</a:t>
             </a:fld>
             <a:endParaRPr lang="en-US" dirty="0"/>
           </a:p>
@@ -1621,7 +1624,7 @@
           <a:p>
             <a:fld id="{3E5059C3-6A89-4494-99FF-5A4D6FFD50EB}" type="datetimeFigureOut">
               <a:rPr lang="en-US" dirty="0"/>
-              <a:t>1/11/2023</a:t>
+              <a:t>1/18/2023</a:t>
             </a:fld>
             <a:endParaRPr lang="en-US" dirty="0"/>
           </a:p>
@@ -1935,7 +1938,7 @@
           <a:p>
             <a:fld id="{CA954B2F-12DE-47F5-8894-472B206D2E1E}" type="datetimeFigureOut">
               <a:rPr lang="en-US" dirty="0"/>
-              <a:t>1/11/2023</a:t>
+              <a:t>1/18/2023</a:t>
             </a:fld>
             <a:endParaRPr lang="en-US" dirty="0"/>
           </a:p>
@@ -2479,7 +2482,7 @@
           <a:p>
             <a:fld id="{3F30E46F-7819-4ACF-B48B-48222C2ACC88}" type="datetimeFigureOut">
               <a:rPr lang="en-US" dirty="0"/>
-              <a:t>1/11/2023</a:t>
+              <a:t>1/18/2023</a:t>
             </a:fld>
             <a:endParaRPr lang="en-US" dirty="0"/>
           </a:p>
@@ -2674,7 +2677,7 @@
           <a:p>
             <a:fld id="{1FAF3416-4057-4DAA-829D-4CA07428D088}" type="datetimeFigureOut">
               <a:rPr lang="en-US" dirty="0"/>
-              <a:t>1/11/2023</a:t>
+              <a:t>1/18/2023</a:t>
             </a:fld>
             <a:endParaRPr lang="en-US" dirty="0"/>
           </a:p>
@@ -2887,7 +2890,7 @@
           <a:p>
             <a:fld id="{921D9284-D300-4297-87F7-E791DCC15DB1}" type="datetimeFigureOut">
               <a:rPr lang="en-US" dirty="0"/>
-              <a:t>1/11/2023</a:t>
+              <a:t>1/18/2023</a:t>
             </a:fld>
             <a:endParaRPr lang="en-US" dirty="0"/>
           </a:p>
@@ -3256,7 +3259,7 @@
           <a:p>
             <a:fld id="{37D525BB-DA17-4BA0-B3C8-3AC3ABC827E6}" type="datetimeFigureOut">
               <a:rPr lang="en-US" dirty="0"/>
-              <a:t>1/11/2023</a:t>
+              <a:t>1/18/2023</a:t>
             </a:fld>
             <a:endParaRPr lang="en-US" dirty="0"/>
           </a:p>
@@ -3659,7 +3662,7 @@
           <a:p>
             <a:fld id="{B16C4C9A-3960-41CF-A4E9-2A8FB932454B}" type="datetimeFigureOut">
               <a:rPr lang="en-US" dirty="0"/>
-              <a:t>1/11/2023</a:t>
+              <a:t>1/18/2023</a:t>
             </a:fld>
             <a:endParaRPr lang="en-US" dirty="0"/>
           </a:p>
@@ -4001,7 +4004,7 @@
           <a:p>
             <a:fld id="{3CBC1C18-307B-4F68-A007-B5B542270E8D}" type="datetimeFigureOut">
               <a:rPr lang="en-US" dirty="0"/>
-              <a:t>1/11/2023</a:t>
+              <a:t>1/18/2023</a:t>
             </a:fld>
             <a:endParaRPr lang="en-US" dirty="0"/>
           </a:p>
@@ -5240,7 +5243,7 @@
           <p:cNvPr id="2" name="Заголовок 1">
             <a:extLst>
               <a:ext uri="{FF2B5EF4-FFF2-40B4-BE49-F238E27FC236}">
-                <a16:creationId xmlns:a16="http://schemas.microsoft.com/office/drawing/2014/main" id="{04654555-DE79-4643-9DF5-D245DA689009}"/>
+                <a16:creationId xmlns:a16="http://schemas.microsoft.com/office/drawing/2014/main" id="{9F3A17AA-32A6-4F83-A187-3F256D358E86}"/>
               </a:ext>
             </a:extLst>
           </p:cNvPr>
@@ -5253,261 +5256,117 @@
         </p:nvSpPr>
         <p:spPr/>
         <p:txBody>
-          <a:bodyPr>
-            <a:normAutofit/>
-          </a:bodyPr>
+          <a:bodyPr/>
           <a:lstStyle/>
           <a:p>
             <a:pPr algn="ctr"/>
             <a:r>
-              <a:rPr lang="ru-RU" sz="4000" dirty="0">
+              <a:rPr lang="ru-RU" dirty="0">
                 <a:latin typeface="Times New Roman" panose="02020603050405020304" pitchFamily="18" charset="0"/>
                 <a:cs typeface="Times New Roman" panose="02020603050405020304" pitchFamily="18" charset="0"/>
               </a:rPr>
-              <a:t>Плюс баллы за защиту</a:t>
-            </a:r>
-          </a:p>
-        </p:txBody>
-      </p:sp>
-      <p:pic>
-        <p:nvPicPr>
-          <p:cNvPr id="5" name="Объект 4">
+              <a:t>Что можно было бы добавить?</a:t>
+            </a:r>
+          </a:p>
+        </p:txBody>
+      </p:sp>
+      <p:sp>
+        <p:nvSpPr>
+          <p:cNvPr id="3" name="Объект 2">
             <a:extLst>
               <a:ext uri="{FF2B5EF4-FFF2-40B4-BE49-F238E27FC236}">
-                <a16:creationId xmlns:a16="http://schemas.microsoft.com/office/drawing/2014/main" id="{B4B1F509-6D73-4D5C-BC9B-7F482A3EE41E}"/>
+                <a16:creationId xmlns:a16="http://schemas.microsoft.com/office/drawing/2014/main" id="{67E1DA30-23EF-4626-838C-47450212ACEE}"/>
               </a:ext>
             </a:extLst>
           </p:cNvPr>
-          <p:cNvPicPr>
-            <a:picLocks noGrp="1" noChangeAspect="1"/>
-          </p:cNvPicPr>
-          <p:nvPr>
-            <p:ph sz="half" idx="2"/>
-          </p:nvPr>
-        </p:nvPicPr>
-        <p:blipFill>
-          <a:blip r:embed="rId2"/>
-          <a:stretch>
-            <a:fillRect/>
-          </a:stretch>
-        </p:blipFill>
-        <p:spPr>
-          <a:xfrm>
-            <a:off x="7230085" y="2052638"/>
-            <a:ext cx="2924567" cy="4224376"/>
-          </a:xfrm>
-          <a:prstGeom prst="rect">
-            <a:avLst/>
-          </a:prstGeom>
-        </p:spPr>
-      </p:pic>
-      <p:pic>
-        <p:nvPicPr>
-          <p:cNvPr id="1026" name="Picture 2" descr="https://www.meme-arsenal.com/memes/ba03af9e9a3502fa155907cc71ef4d13.jpg">
-            <a:extLst>
-              <a:ext uri="{FF2B5EF4-FFF2-40B4-BE49-F238E27FC236}">
-                <a16:creationId xmlns:a16="http://schemas.microsoft.com/office/drawing/2014/main" id="{E7C230F0-BC86-438F-9E71-74200D8CB9F0}"/>
-              </a:ext>
-            </a:extLst>
-          </p:cNvPr>
-          <p:cNvPicPr>
-            <a:picLocks noGrp="1" noChangeAspect="1" noChangeArrowheads="1"/>
-          </p:cNvPicPr>
-          <p:nvPr>
-            <p:ph sz="half" idx="1"/>
-          </p:nvPr>
-        </p:nvPicPr>
-        <p:blipFill>
-          <a:blip r:embed="rId3">
-            <a:extLst>
-              <a:ext uri="{28A0092B-C50C-407E-A947-70E740481C1C}">
-                <a14:useLocalDpi xmlns:a14="http://schemas.microsoft.com/office/drawing/2010/main" val="0"/>
-              </a:ext>
-            </a:extLst>
-          </a:blip>
-          <a:srcRect/>
-          <a:stretch>
-            <a:fillRect/>
-          </a:stretch>
-        </p:blipFill>
-        <p:spPr bwMode="auto">
-          <a:xfrm>
-            <a:off x="1363074" y="2409354"/>
-            <a:ext cx="5222291" cy="3039373"/>
-          </a:xfrm>
-          <a:prstGeom prst="rect">
-            <a:avLst/>
-          </a:prstGeom>
-          <a:noFill/>
-          <a:extLst>
-            <a:ext uri="{909E8E84-426E-40DD-AFC4-6F175D3DCCD1}">
-              <a14:hiddenFill xmlns:a14="http://schemas.microsoft.com/office/drawing/2010/main">
-                <a:solidFill>
-                  <a:srgbClr val="FFFFFF"/>
-                </a:solidFill>
-              </a14:hiddenFill>
-            </a:ext>
-          </a:extLst>
-        </p:spPr>
-      </p:pic>
+          <p:cNvSpPr>
+            <a:spLocks noGrp="1"/>
+          </p:cNvSpPr>
+          <p:nvPr>
+            <p:ph idx="1"/>
+          </p:nvPr>
+        </p:nvSpPr>
+        <p:spPr/>
+        <p:txBody>
+          <a:bodyPr/>
+          <a:lstStyle/>
+          <a:p>
+            <a:r>
+              <a:rPr lang="ru-RU" dirty="0">
+                <a:latin typeface="Times New Roman" panose="02020603050405020304" pitchFamily="18" charset="0"/>
+                <a:cs typeface="Times New Roman" panose="02020603050405020304" pitchFamily="18" charset="0"/>
+              </a:rPr>
+              <a:t>Добавить разные режимы змейки(</a:t>
+            </a:r>
+            <a:r>
+              <a:rPr lang="en-US" dirty="0">
+                <a:latin typeface="Times New Roman" panose="02020603050405020304" pitchFamily="18" charset="0"/>
+                <a:cs typeface="Times New Roman" panose="02020603050405020304" pitchFamily="18" charset="0"/>
+              </a:rPr>
+              <a:t>Google play </a:t>
+            </a:r>
+            <a:r>
+              <a:rPr lang="ru-RU" dirty="0">
+                <a:latin typeface="Times New Roman" panose="02020603050405020304" pitchFamily="18" charset="0"/>
+                <a:cs typeface="Times New Roman" panose="02020603050405020304" pitchFamily="18" charset="0"/>
+              </a:rPr>
+              <a:t>игры)</a:t>
+            </a:r>
+          </a:p>
+          <a:p>
+            <a:r>
+              <a:rPr lang="ru-RU" dirty="0">
+                <a:latin typeface="Times New Roman" panose="02020603050405020304" pitchFamily="18" charset="0"/>
+                <a:cs typeface="Times New Roman" panose="02020603050405020304" pitchFamily="18" charset="0"/>
+              </a:rPr>
+              <a:t>Добавить уровни сложности</a:t>
+            </a:r>
+          </a:p>
+          <a:p>
+            <a:r>
+              <a:rPr lang="ru-RU" dirty="0">
+                <a:latin typeface="Times New Roman" panose="02020603050405020304" pitchFamily="18" charset="0"/>
+                <a:cs typeface="Times New Roman" panose="02020603050405020304" pitchFamily="18" charset="0"/>
+              </a:rPr>
+              <a:t>Добавить отдельное окно под цвета</a:t>
+            </a:r>
+          </a:p>
+          <a:p>
+            <a:r>
+              <a:rPr lang="ru-RU" dirty="0">
+                <a:latin typeface="Times New Roman" panose="02020603050405020304" pitchFamily="18" charset="0"/>
+                <a:cs typeface="Times New Roman" panose="02020603050405020304" pitchFamily="18" charset="0"/>
+              </a:rPr>
+              <a:t>Сделать </a:t>
+            </a:r>
+            <a:r>
+              <a:rPr lang="ru-RU" dirty="0" err="1">
+                <a:latin typeface="Times New Roman" panose="02020603050405020304" pitchFamily="18" charset="0"/>
+                <a:cs typeface="Times New Roman" panose="02020603050405020304" pitchFamily="18" charset="0"/>
+              </a:rPr>
+              <a:t>кастомные</a:t>
+            </a:r>
+            <a:r>
+              <a:rPr lang="ru-RU" dirty="0">
+                <a:latin typeface="Times New Roman" panose="02020603050405020304" pitchFamily="18" charset="0"/>
+                <a:cs typeface="Times New Roman" panose="02020603050405020304" pitchFamily="18" charset="0"/>
+              </a:rPr>
+              <a:t> цвета </a:t>
+            </a:r>
+            <a:r>
+              <a:rPr lang="ru-RU">
+                <a:latin typeface="Times New Roman" panose="02020603050405020304" pitchFamily="18" charset="0"/>
+                <a:cs typeface="Times New Roman" panose="02020603050405020304" pitchFamily="18" charset="0"/>
+              </a:rPr>
+              <a:t>для змейки(Палитра)</a:t>
+            </a:r>
+          </a:p>
+        </p:txBody>
+      </p:sp>
     </p:spTree>
     <p:extLst>
       <p:ext uri="{BB962C8B-B14F-4D97-AF65-F5344CB8AC3E}">
-        <p14:creationId xmlns:p14="http://schemas.microsoft.com/office/powerpoint/2010/main" val="3046401223"/>
-      </p:ext>
-    </p:extLst>
-  </p:cSld>
-  <p:clrMapOvr>
-    <a:masterClrMapping/>
-  </p:clrMapOvr>
-</p:sld>
-</file>
-
-<file path=ppt/slides/slide7.xml><?xml version="1.0" encoding="utf-8"?>
-<p:sld xmlns:a="http://schemas.openxmlformats.org/drawingml/2006/main" xmlns:r="http://schemas.openxmlformats.org/officeDocument/2006/relationships" xmlns:p="http://schemas.openxmlformats.org/presentationml/2006/main">
-  <p:cSld>
-    <p:spTree>
-      <p:nvGrpSpPr>
-        <p:cNvPr id="1" name=""/>
-        <p:cNvGrpSpPr/>
-        <p:nvPr/>
-      </p:nvGrpSpPr>
-      <p:grpSpPr>
-        <a:xfrm>
-          <a:off x="0" y="0"/>
-          <a:ext cx="0" cy="0"/>
-          <a:chOff x="0" y="0"/>
-          <a:chExt cx="0" cy="0"/>
-        </a:xfrm>
-      </p:grpSpPr>
-      <p:pic>
-        <p:nvPicPr>
-          <p:cNvPr id="2050" name="Picture 2" descr="https://www.meme-arsenal.com/memes/c79461bb962c6ef4d1a40498d0a5e64a.jpg">
-            <a:extLst>
-              <a:ext uri="{FF2B5EF4-FFF2-40B4-BE49-F238E27FC236}">
-                <a16:creationId xmlns:a16="http://schemas.microsoft.com/office/drawing/2014/main" id="{000E202E-107C-41D5-B7E1-FDE4C917FF5D}"/>
-              </a:ext>
-            </a:extLst>
-          </p:cNvPr>
-          <p:cNvPicPr>
-            <a:picLocks noChangeAspect="1" noChangeArrowheads="1"/>
-          </p:cNvPicPr>
-          <p:nvPr/>
-        </p:nvPicPr>
-        <p:blipFill>
-          <a:blip r:embed="rId2">
-            <a:extLst>
-              <a:ext uri="{28A0092B-C50C-407E-A947-70E740481C1C}">
-                <a14:useLocalDpi xmlns:a14="http://schemas.microsoft.com/office/drawing/2010/main" val="0"/>
-              </a:ext>
-            </a:extLst>
-          </a:blip>
-          <a:srcRect/>
-          <a:stretch>
-            <a:fillRect/>
-          </a:stretch>
-        </p:blipFill>
-        <p:spPr bwMode="auto">
-          <a:xfrm>
-            <a:off x="1333500" y="657225"/>
-            <a:ext cx="9525000" cy="5543550"/>
-          </a:xfrm>
-          <a:prstGeom prst="rect">
-            <a:avLst/>
-          </a:prstGeom>
-          <a:noFill/>
-          <a:extLst>
-            <a:ext uri="{909E8E84-426E-40DD-AFC4-6F175D3DCCD1}">
-              <a14:hiddenFill xmlns:a14="http://schemas.microsoft.com/office/drawing/2010/main">
-                <a:solidFill>
-                  <a:srgbClr val="FFFFFF"/>
-                </a:solidFill>
-              </a14:hiddenFill>
-            </a:ext>
-          </a:extLst>
-        </p:spPr>
-      </p:pic>
-    </p:spTree>
-    <p:extLst>
-      <p:ext uri="{BB962C8B-B14F-4D97-AF65-F5344CB8AC3E}">
-        <p14:creationId xmlns:p14="http://schemas.microsoft.com/office/powerpoint/2010/main" val="325850965"/>
-      </p:ext>
-    </p:extLst>
-  </p:cSld>
-  <p:clrMapOvr>
-    <a:masterClrMapping/>
-  </p:clrMapOvr>
-</p:sld>
-</file>
-
-<file path=ppt/slides/slide8.xml><?xml version="1.0" encoding="utf-8"?>
-<p:sld xmlns:a="http://schemas.openxmlformats.org/drawingml/2006/main" xmlns:r="http://schemas.openxmlformats.org/officeDocument/2006/relationships" xmlns:p="http://schemas.openxmlformats.org/presentationml/2006/main">
-  <p:cSld>
-    <p:spTree>
-      <p:nvGrpSpPr>
-        <p:cNvPr id="1" name=""/>
-        <p:cNvGrpSpPr/>
-        <p:nvPr/>
-      </p:nvGrpSpPr>
-      <p:grpSpPr>
-        <a:xfrm>
-          <a:off x="0" y="0"/>
-          <a:ext cx="0" cy="0"/>
-          <a:chOff x="0" y="0"/>
-          <a:chExt cx="0" cy="0"/>
-        </a:xfrm>
-      </p:grpSpPr>
-      <p:pic>
-        <p:nvPicPr>
-          <p:cNvPr id="3074" name="Picture 2" descr="https://sun9-43.userapi.com/impf/Pg3xmg-kzypzc0_0R1obQYdRWldmtsFKILEmwA/RnWF48Z8j5Q.jpg?size=0x0&amp;quality=90&amp;proxy=1&amp;sign=829ed61a3f0950ad661241dddee850b7&amp;c_uniq_tag=eQTLpJHgiotHjlyak3X-H7SuYPvE8r5o_aZ0Cm4ujDk&amp;type=video_thumb">
-            <a:extLst>
-              <a:ext uri="{FF2B5EF4-FFF2-40B4-BE49-F238E27FC236}">
-                <a16:creationId xmlns:a16="http://schemas.microsoft.com/office/drawing/2014/main" id="{4211444E-87FA-4DF6-93CF-6917DD59FF23}"/>
-              </a:ext>
-            </a:extLst>
-          </p:cNvPr>
-          <p:cNvPicPr>
-            <a:picLocks noChangeAspect="1" noChangeArrowheads="1"/>
-          </p:cNvPicPr>
-          <p:nvPr/>
-        </p:nvPicPr>
-        <p:blipFill>
-          <a:blip r:embed="rId2">
-            <a:extLst>
-              <a:ext uri="{28A0092B-C50C-407E-A947-70E740481C1C}">
-                <a14:useLocalDpi xmlns:a14="http://schemas.microsoft.com/office/drawing/2010/main" val="0"/>
-              </a:ext>
-            </a:extLst>
-          </a:blip>
-          <a:srcRect/>
-          <a:stretch>
-            <a:fillRect/>
-          </a:stretch>
-        </p:blipFill>
-        <p:spPr bwMode="auto">
-          <a:xfrm>
-            <a:off x="0" y="0"/>
-            <a:ext cx="12192000" cy="6858000"/>
-          </a:xfrm>
-          <a:prstGeom prst="rect">
-            <a:avLst/>
-          </a:prstGeom>
-          <a:noFill/>
-          <a:extLst>
-            <a:ext uri="{909E8E84-426E-40DD-AFC4-6F175D3DCCD1}">
-              <a14:hiddenFill xmlns:a14="http://schemas.microsoft.com/office/drawing/2010/main">
-                <a:solidFill>
-                  <a:srgbClr val="FFFFFF"/>
-                </a:solidFill>
-              </a14:hiddenFill>
-            </a:ext>
-          </a:extLst>
-        </p:spPr>
-      </p:pic>
-    </p:spTree>
-    <p:extLst>
-      <p:ext uri="{BB962C8B-B14F-4D97-AF65-F5344CB8AC3E}">
-        <p14:creationId xmlns:p14="http://schemas.microsoft.com/office/powerpoint/2010/main" val="3565304705"/>
+        <p14:creationId xmlns:p14="http://schemas.microsoft.com/office/powerpoint/2010/main" val="1448912276"/>
       </p:ext>
     </p:extLst>
   </p:cSld>

--- a/Повторения успеха.pptx
+++ b/Повторения успеха.pptx
@@ -334,7 +334,7 @@
           <a:p>
             <a:fld id="{9AB3A824-1A51-4B26-AD58-A6D8E14F6C04}" type="datetimeFigureOut">
               <a:rPr lang="en-US" dirty="0"/>
-              <a:t>1/18/2023</a:t>
+              <a:t>1/19/2023</a:t>
             </a:fld>
             <a:endParaRPr lang="en-US" dirty="0"/>
           </a:p>
@@ -668,7 +668,7 @@
           <a:p>
             <a:fld id="{D857E33E-8B18-4087-B112-809917729534}" type="datetimeFigureOut">
               <a:rPr lang="en-US" dirty="0"/>
-              <a:t>1/18/2023</a:t>
+              <a:t>1/19/2023</a:t>
             </a:fld>
             <a:endParaRPr lang="en-US" dirty="0"/>
           </a:p>
@@ -970,7 +970,7 @@
           <a:p>
             <a:fld id="{D3FFE419-2371-464F-8239-3959401C3561}" type="datetimeFigureOut">
               <a:rPr lang="en-US" dirty="0"/>
-              <a:t>1/18/2023</a:t>
+              <a:t>1/19/2023</a:t>
             </a:fld>
             <a:endParaRPr lang="en-US" dirty="0"/>
           </a:p>
@@ -1217,7 +1217,7 @@
           <a:p>
             <a:fld id="{97D162C4-EDD9-4389-A98B-B87ECEA2A816}" type="datetimeFigureOut">
               <a:rPr lang="en-US" dirty="0"/>
-              <a:t>1/18/2023</a:t>
+              <a:t>1/19/2023</a:t>
             </a:fld>
             <a:endParaRPr lang="en-US" dirty="0"/>
           </a:p>
@@ -1624,7 +1624,7 @@
           <a:p>
             <a:fld id="{3E5059C3-6A89-4494-99FF-5A4D6FFD50EB}" type="datetimeFigureOut">
               <a:rPr lang="en-US" dirty="0"/>
-              <a:t>1/18/2023</a:t>
+              <a:t>1/19/2023</a:t>
             </a:fld>
             <a:endParaRPr lang="en-US" dirty="0"/>
           </a:p>
@@ -1938,7 +1938,7 @@
           <a:p>
             <a:fld id="{CA954B2F-12DE-47F5-8894-472B206D2E1E}" type="datetimeFigureOut">
               <a:rPr lang="en-US" dirty="0"/>
-              <a:t>1/18/2023</a:t>
+              <a:t>1/19/2023</a:t>
             </a:fld>
             <a:endParaRPr lang="en-US" dirty="0"/>
           </a:p>
@@ -2482,7 +2482,7 @@
           <a:p>
             <a:fld id="{3F30E46F-7819-4ACF-B48B-48222C2ACC88}" type="datetimeFigureOut">
               <a:rPr lang="en-US" dirty="0"/>
-              <a:t>1/18/2023</a:t>
+              <a:t>1/19/2023</a:t>
             </a:fld>
             <a:endParaRPr lang="en-US" dirty="0"/>
           </a:p>
@@ -2677,7 +2677,7 @@
           <a:p>
             <a:fld id="{1FAF3416-4057-4DAA-829D-4CA07428D088}" type="datetimeFigureOut">
               <a:rPr lang="en-US" dirty="0"/>
-              <a:t>1/18/2023</a:t>
+              <a:t>1/19/2023</a:t>
             </a:fld>
             <a:endParaRPr lang="en-US" dirty="0"/>
           </a:p>
@@ -2890,7 +2890,7 @@
           <a:p>
             <a:fld id="{921D9284-D300-4297-87F7-E791DCC15DB1}" type="datetimeFigureOut">
               <a:rPr lang="en-US" dirty="0"/>
-              <a:t>1/18/2023</a:t>
+              <a:t>1/19/2023</a:t>
             </a:fld>
             <a:endParaRPr lang="en-US" dirty="0"/>
           </a:p>
@@ -3259,7 +3259,7 @@
           <a:p>
             <a:fld id="{37D525BB-DA17-4BA0-B3C8-3AC3ABC827E6}" type="datetimeFigureOut">
               <a:rPr lang="en-US" dirty="0"/>
-              <a:t>1/18/2023</a:t>
+              <a:t>1/19/2023</a:t>
             </a:fld>
             <a:endParaRPr lang="en-US" dirty="0"/>
           </a:p>
@@ -3662,7 +3662,7 @@
           <a:p>
             <a:fld id="{B16C4C9A-3960-41CF-A4E9-2A8FB932454B}" type="datetimeFigureOut">
               <a:rPr lang="en-US" dirty="0"/>
-              <a:t>1/18/2023</a:t>
+              <a:t>1/19/2023</a:t>
             </a:fld>
             <a:endParaRPr lang="en-US" dirty="0"/>
           </a:p>
@@ -4004,7 +4004,7 @@
           <a:p>
             <a:fld id="{3CBC1C18-307B-4F68-A007-B5B542270E8D}" type="datetimeFigureOut">
               <a:rPr lang="en-US" dirty="0"/>
-              <a:t>1/18/2023</a:t>
+              <a:t>1/19/2023</a:t>
             </a:fld>
             <a:endParaRPr lang="en-US" dirty="0"/>
           </a:p>
@@ -4845,6 +4845,36 @@
           </a:prstGeom>
         </p:spPr>
       </p:pic>
+      <p:pic>
+        <p:nvPicPr>
+          <p:cNvPr id="3" name="Рисунок 2">
+            <a:extLst>
+              <a:ext uri="{FF2B5EF4-FFF2-40B4-BE49-F238E27FC236}">
+                <a16:creationId xmlns:a16="http://schemas.microsoft.com/office/drawing/2014/main" id="{A8A9BC18-D8F6-4A97-8C54-A0C51589FCEA}"/>
+              </a:ext>
+            </a:extLst>
+          </p:cNvPr>
+          <p:cNvPicPr>
+            <a:picLocks noChangeAspect="1"/>
+          </p:cNvPicPr>
+          <p:nvPr/>
+        </p:nvPicPr>
+        <p:blipFill>
+          <a:blip r:embed="rId4"/>
+          <a:stretch>
+            <a:fillRect/>
+          </a:stretch>
+        </p:blipFill>
+        <p:spPr>
+          <a:xfrm>
+            <a:off x="6585365" y="2079520"/>
+            <a:ext cx="4487166" cy="3972663"/>
+          </a:xfrm>
+          <a:prstGeom prst="rect">
+            <a:avLst/>
+          </a:prstGeom>
+        </p:spPr>
+      </p:pic>
     </p:spTree>
     <p:extLst>
       <p:ext uri="{BB962C8B-B14F-4D97-AF65-F5344CB8AC3E}">
@@ -4958,6 +4988,36 @@
           <a:xfrm>
             <a:off x="2773599" y="2052116"/>
             <a:ext cx="7796540" cy="4030212"/>
+          </a:xfrm>
+          <a:prstGeom prst="rect">
+            <a:avLst/>
+          </a:prstGeom>
+        </p:spPr>
+      </p:pic>
+      <p:pic>
+        <p:nvPicPr>
+          <p:cNvPr id="5" name="Рисунок 4">
+            <a:extLst>
+              <a:ext uri="{FF2B5EF4-FFF2-40B4-BE49-F238E27FC236}">
+                <a16:creationId xmlns:a16="http://schemas.microsoft.com/office/drawing/2014/main" id="{E3620F31-1584-43C9-BA40-ED51155AC3F8}"/>
+              </a:ext>
+            </a:extLst>
+          </p:cNvPr>
+          <p:cNvPicPr>
+            <a:picLocks noChangeAspect="1"/>
+          </p:cNvPicPr>
+          <p:nvPr/>
+        </p:nvPicPr>
+        <p:blipFill>
+          <a:blip r:embed="rId3"/>
+          <a:stretch>
+            <a:fillRect/>
+          </a:stretch>
+        </p:blipFill>
+        <p:spPr>
+          <a:xfrm>
+            <a:off x="2773599" y="2019732"/>
+            <a:ext cx="8207871" cy="4030212"/>
           </a:xfrm>
           <a:prstGeom prst="rect">
             <a:avLst/>
@@ -5202,6 +5262,66 @@
           <a:xfrm>
             <a:off x="6666632" y="2052114"/>
             <a:ext cx="4664514" cy="795337"/>
+          </a:xfrm>
+          <a:prstGeom prst="rect">
+            <a:avLst/>
+          </a:prstGeom>
+        </p:spPr>
+      </p:pic>
+      <p:pic>
+        <p:nvPicPr>
+          <p:cNvPr id="3" name="Рисунок 2">
+            <a:extLst>
+              <a:ext uri="{FF2B5EF4-FFF2-40B4-BE49-F238E27FC236}">
+                <a16:creationId xmlns:a16="http://schemas.microsoft.com/office/drawing/2014/main" id="{9E220BA3-F22E-469C-95CA-0DEF0B476DE7}"/>
+              </a:ext>
+            </a:extLst>
+          </p:cNvPr>
+          <p:cNvPicPr>
+            <a:picLocks noChangeAspect="1"/>
+          </p:cNvPicPr>
+          <p:nvPr/>
+        </p:nvPicPr>
+        <p:blipFill>
+          <a:blip r:embed="rId8"/>
+          <a:stretch>
+            <a:fillRect/>
+          </a:stretch>
+        </p:blipFill>
+        <p:spPr>
+          <a:xfrm>
+            <a:off x="6666631" y="2847265"/>
+            <a:ext cx="4664515" cy="876917"/>
+          </a:xfrm>
+          <a:prstGeom prst="rect">
+            <a:avLst/>
+          </a:prstGeom>
+        </p:spPr>
+      </p:pic>
+      <p:pic>
+        <p:nvPicPr>
+          <p:cNvPr id="4" name="Рисунок 3">
+            <a:extLst>
+              <a:ext uri="{FF2B5EF4-FFF2-40B4-BE49-F238E27FC236}">
+                <a16:creationId xmlns:a16="http://schemas.microsoft.com/office/drawing/2014/main" id="{02C5F5BF-C1B2-4C69-BD7B-7ADCBDD7C3FB}"/>
+              </a:ext>
+            </a:extLst>
+          </p:cNvPr>
+          <p:cNvPicPr>
+            <a:picLocks noChangeAspect="1"/>
+          </p:cNvPicPr>
+          <p:nvPr/>
+        </p:nvPicPr>
+        <p:blipFill>
+          <a:blip r:embed="rId9"/>
+          <a:stretch>
+            <a:fillRect/>
+          </a:stretch>
+        </p:blipFill>
+        <p:spPr>
+          <a:xfrm>
+            <a:off x="6666631" y="3723127"/>
+            <a:ext cx="4664515" cy="492302"/>
           </a:xfrm>
           <a:prstGeom prst="rect">
             <a:avLst/>
